--- a/开发者挑战项目/藕粉池塘/藕粉池塘.pptx
+++ b/开发者挑战项目/藕粉池塘/藕粉池塘.pptx
@@ -6378,7 +6378,6 @@
           <a:p>
             <a:r>
               <a:rPr lang="zh-CN" altLang="en-US" sz="7200" dirty="0">
-                <a:ln/>
                 <a:solidFill>
                   <a:schemeClr val="tx1"/>
                 </a:solidFill>
@@ -6396,7 +6395,6 @@
             </a:r>
             <a:r>
               <a:rPr lang="en-US" altLang="zh-CN" sz="7200" dirty="0">
-                <a:ln/>
                 <a:solidFill>
                   <a:schemeClr val="tx1"/>
                 </a:solidFill>
@@ -6414,7 +6412,6 @@
             </a:r>
             <a:r>
               <a:rPr lang="zh-CN" altLang="en-US" sz="7200" dirty="0">
-                <a:ln/>
                 <a:solidFill>
                   <a:schemeClr val="tx1"/>
                 </a:solidFill>
@@ -6431,7 +6428,6 @@
               <a:t>粉</a:t>
             </a:r>
             <a:endParaRPr lang="zh-CN" altLang="en-US" sz="7200" dirty="0">
-              <a:ln/>
               <a:solidFill>
                 <a:schemeClr val="tx1"/>
               </a:solidFill>
@@ -8248,8 +8244,8 @@
         </p:nvGrpSpPr>
         <p:grpSpPr>
           <a:xfrm>
-            <a:off x="4552950" y="1484313"/>
-            <a:ext cx="3108325" cy="3694113"/>
+            <a:off x="5044440" y="1423670"/>
+            <a:ext cx="2165985" cy="2701290"/>
             <a:chOff x="4552950" y="1484313"/>
             <a:chExt cx="3108325" cy="3694113"/>
           </a:xfrm>
@@ -13547,7 +13543,7 @@
         </p:nvGrpSpPr>
         <p:grpSpPr>
           <a:xfrm>
-            <a:off x="3776663" y="3851275"/>
+            <a:off x="6937058" y="4821555"/>
             <a:ext cx="525462" cy="17463"/>
             <a:chOff x="3776663" y="3851275"/>
             <a:chExt cx="525462" cy="17463"/>
@@ -16825,457 +16821,6 @@
           </p:txBody>
         </p:sp>
       </p:grpSp>
-      <p:sp>
-        <p:nvSpPr>
-          <p:cNvPr id="72" name="Freeform 550"/>
-          <p:cNvSpPr>
-            <a:spLocks noEditPoints="1"/>
-          </p:cNvSpPr>
-          <p:nvPr/>
-        </p:nvSpPr>
-        <p:spPr bwMode="auto">
-          <a:xfrm>
-            <a:off x="8359776" y="2810072"/>
-            <a:ext cx="352425" cy="342900"/>
-          </a:xfrm>
-          <a:custGeom>
-            <a:avLst/>
-            <a:gdLst>
-              <a:gd name="T0" fmla="*/ 83 w 83"/>
-              <a:gd name="T1" fmla="*/ 40 h 81"/>
-              <a:gd name="T2" fmla="*/ 83 w 83"/>
-              <a:gd name="T3" fmla="*/ 40 h 81"/>
-              <a:gd name="T4" fmla="*/ 83 w 83"/>
-              <a:gd name="T5" fmla="*/ 40 h 81"/>
-              <a:gd name="T6" fmla="*/ 83 w 83"/>
-              <a:gd name="T7" fmla="*/ 40 h 81"/>
-              <a:gd name="T8" fmla="*/ 82 w 83"/>
-              <a:gd name="T9" fmla="*/ 40 h 81"/>
-              <a:gd name="T10" fmla="*/ 82 w 83"/>
-              <a:gd name="T11" fmla="*/ 40 h 81"/>
-              <a:gd name="T12" fmla="*/ 82 w 83"/>
-              <a:gd name="T13" fmla="*/ 39 h 81"/>
-              <a:gd name="T14" fmla="*/ 42 w 83"/>
-              <a:gd name="T15" fmla="*/ 0 h 81"/>
-              <a:gd name="T16" fmla="*/ 42 w 83"/>
-              <a:gd name="T17" fmla="*/ 0 h 81"/>
-              <a:gd name="T18" fmla="*/ 42 w 83"/>
-              <a:gd name="T19" fmla="*/ 0 h 81"/>
-              <a:gd name="T20" fmla="*/ 42 w 83"/>
-              <a:gd name="T21" fmla="*/ 0 h 81"/>
-              <a:gd name="T22" fmla="*/ 40 w 83"/>
-              <a:gd name="T23" fmla="*/ 0 h 81"/>
-              <a:gd name="T24" fmla="*/ 0 w 83"/>
-              <a:gd name="T25" fmla="*/ 39 h 81"/>
-              <a:gd name="T26" fmla="*/ 0 w 83"/>
-              <a:gd name="T27" fmla="*/ 40 h 81"/>
-              <a:gd name="T28" fmla="*/ 0 w 83"/>
-              <a:gd name="T29" fmla="*/ 40 h 81"/>
-              <a:gd name="T30" fmla="*/ 40 w 83"/>
-              <a:gd name="T31" fmla="*/ 81 h 81"/>
-              <a:gd name="T32" fmla="*/ 42 w 83"/>
-              <a:gd name="T33" fmla="*/ 81 h 81"/>
-              <a:gd name="T34" fmla="*/ 42 w 83"/>
-              <a:gd name="T35" fmla="*/ 80 h 81"/>
-              <a:gd name="T36" fmla="*/ 42 w 83"/>
-              <a:gd name="T37" fmla="*/ 80 h 81"/>
-              <a:gd name="T38" fmla="*/ 42 w 83"/>
-              <a:gd name="T39" fmla="*/ 80 h 81"/>
-              <a:gd name="T40" fmla="*/ 82 w 83"/>
-              <a:gd name="T41" fmla="*/ 41 h 81"/>
-              <a:gd name="T42" fmla="*/ 82 w 83"/>
-              <a:gd name="T43" fmla="*/ 41 h 81"/>
-              <a:gd name="T44" fmla="*/ 82 w 83"/>
-              <a:gd name="T45" fmla="*/ 41 h 81"/>
-              <a:gd name="T46" fmla="*/ 83 w 83"/>
-              <a:gd name="T47" fmla="*/ 41 h 81"/>
-              <a:gd name="T48" fmla="*/ 83 w 83"/>
-              <a:gd name="T49" fmla="*/ 41 h 81"/>
-              <a:gd name="T50" fmla="*/ 83 w 83"/>
-              <a:gd name="T51" fmla="*/ 41 h 81"/>
-              <a:gd name="T52" fmla="*/ 83 w 83"/>
-              <a:gd name="T53" fmla="*/ 40 h 81"/>
-              <a:gd name="T54" fmla="*/ 83 w 83"/>
-              <a:gd name="T55" fmla="*/ 40 h 81"/>
-              <a:gd name="T56" fmla="*/ 83 w 83"/>
-              <a:gd name="T57" fmla="*/ 40 h 81"/>
-              <a:gd name="T58" fmla="*/ 40 w 83"/>
-              <a:gd name="T59" fmla="*/ 40 h 81"/>
-              <a:gd name="T60" fmla="*/ 40 w 83"/>
-              <a:gd name="T61" fmla="*/ 78 h 81"/>
-              <a:gd name="T62" fmla="*/ 3 w 83"/>
-              <a:gd name="T63" fmla="*/ 40 h 81"/>
-              <a:gd name="T64" fmla="*/ 40 w 83"/>
-              <a:gd name="T65" fmla="*/ 3 h 81"/>
-              <a:gd name="T66" fmla="*/ 40 w 83"/>
-              <a:gd name="T67" fmla="*/ 40 h 81"/>
-              <a:gd name="T68" fmla="*/ 42 w 83"/>
-              <a:gd name="T69" fmla="*/ 77 h 81"/>
-              <a:gd name="T70" fmla="*/ 42 w 83"/>
-              <a:gd name="T71" fmla="*/ 41 h 81"/>
-              <a:gd name="T72" fmla="*/ 79 w 83"/>
-              <a:gd name="T73" fmla="*/ 41 h 81"/>
-              <a:gd name="T74" fmla="*/ 42 w 83"/>
-              <a:gd name="T75" fmla="*/ 77 h 81"/>
-              <a:gd name="T76" fmla="*/ 42 w 83"/>
-              <a:gd name="T77" fmla="*/ 39 h 81"/>
-              <a:gd name="T78" fmla="*/ 42 w 83"/>
-              <a:gd name="T79" fmla="*/ 4 h 81"/>
-              <a:gd name="T80" fmla="*/ 79 w 83"/>
-              <a:gd name="T81" fmla="*/ 39 h 81"/>
-              <a:gd name="T82" fmla="*/ 42 w 83"/>
-              <a:gd name="T83" fmla="*/ 39 h 81"/>
-            </a:gdLst>
-            <a:ahLst/>
-            <a:cxnLst>
-              <a:cxn ang="0">
-                <a:pos x="T0" y="T1"/>
-              </a:cxn>
-              <a:cxn ang="0">
-                <a:pos x="T2" y="T3"/>
-              </a:cxn>
-              <a:cxn ang="0">
-                <a:pos x="T4" y="T5"/>
-              </a:cxn>
-              <a:cxn ang="0">
-                <a:pos x="T6" y="T7"/>
-              </a:cxn>
-              <a:cxn ang="0">
-                <a:pos x="T8" y="T9"/>
-              </a:cxn>
-              <a:cxn ang="0">
-                <a:pos x="T10" y="T11"/>
-              </a:cxn>
-              <a:cxn ang="0">
-                <a:pos x="T12" y="T13"/>
-              </a:cxn>
-              <a:cxn ang="0">
-                <a:pos x="T14" y="T15"/>
-              </a:cxn>
-              <a:cxn ang="0">
-                <a:pos x="T16" y="T17"/>
-              </a:cxn>
-              <a:cxn ang="0">
-                <a:pos x="T18" y="T19"/>
-              </a:cxn>
-              <a:cxn ang="0">
-                <a:pos x="T20" y="T21"/>
-              </a:cxn>
-              <a:cxn ang="0">
-                <a:pos x="T22" y="T23"/>
-              </a:cxn>
-              <a:cxn ang="0">
-                <a:pos x="T24" y="T25"/>
-              </a:cxn>
-              <a:cxn ang="0">
-                <a:pos x="T26" y="T27"/>
-              </a:cxn>
-              <a:cxn ang="0">
-                <a:pos x="T28" y="T29"/>
-              </a:cxn>
-              <a:cxn ang="0">
-                <a:pos x="T30" y="T31"/>
-              </a:cxn>
-              <a:cxn ang="0">
-                <a:pos x="T32" y="T33"/>
-              </a:cxn>
-              <a:cxn ang="0">
-                <a:pos x="T34" y="T35"/>
-              </a:cxn>
-              <a:cxn ang="0">
-                <a:pos x="T36" y="T37"/>
-              </a:cxn>
-              <a:cxn ang="0">
-                <a:pos x="T38" y="T39"/>
-              </a:cxn>
-              <a:cxn ang="0">
-                <a:pos x="T40" y="T41"/>
-              </a:cxn>
-              <a:cxn ang="0">
-                <a:pos x="T42" y="T43"/>
-              </a:cxn>
-              <a:cxn ang="0">
-                <a:pos x="T44" y="T45"/>
-              </a:cxn>
-              <a:cxn ang="0">
-                <a:pos x="T46" y="T47"/>
-              </a:cxn>
-              <a:cxn ang="0">
-                <a:pos x="T48" y="T49"/>
-              </a:cxn>
-              <a:cxn ang="0">
-                <a:pos x="T50" y="T51"/>
-              </a:cxn>
-              <a:cxn ang="0">
-                <a:pos x="T52" y="T53"/>
-              </a:cxn>
-              <a:cxn ang="0">
-                <a:pos x="T54" y="T55"/>
-              </a:cxn>
-              <a:cxn ang="0">
-                <a:pos x="T56" y="T57"/>
-              </a:cxn>
-              <a:cxn ang="0">
-                <a:pos x="T58" y="T59"/>
-              </a:cxn>
-              <a:cxn ang="0">
-                <a:pos x="T60" y="T61"/>
-              </a:cxn>
-              <a:cxn ang="0">
-                <a:pos x="T62" y="T63"/>
-              </a:cxn>
-              <a:cxn ang="0">
-                <a:pos x="T64" y="T65"/>
-              </a:cxn>
-              <a:cxn ang="0">
-                <a:pos x="T66" y="T67"/>
-              </a:cxn>
-              <a:cxn ang="0">
-                <a:pos x="T68" y="T69"/>
-              </a:cxn>
-              <a:cxn ang="0">
-                <a:pos x="T70" y="T71"/>
-              </a:cxn>
-              <a:cxn ang="0">
-                <a:pos x="T72" y="T73"/>
-              </a:cxn>
-              <a:cxn ang="0">
-                <a:pos x="T74" y="T75"/>
-              </a:cxn>
-              <a:cxn ang="0">
-                <a:pos x="T76" y="T77"/>
-              </a:cxn>
-              <a:cxn ang="0">
-                <a:pos x="T78" y="T79"/>
-              </a:cxn>
-              <a:cxn ang="0">
-                <a:pos x="T80" y="T81"/>
-              </a:cxn>
-              <a:cxn ang="0">
-                <a:pos x="T82" y="T83"/>
-              </a:cxn>
-            </a:cxnLst>
-            <a:rect l="0" t="0" r="r" b="b"/>
-            <a:pathLst>
-              <a:path w="83" h="81">
-                <a:moveTo>
-                  <a:pt x="83" y="40"/>
-                </a:moveTo>
-                <a:cubicBezTo>
-                  <a:pt x="83" y="40"/>
-                  <a:pt x="83" y="40"/>
-                  <a:pt x="83" y="40"/>
-                </a:cubicBezTo>
-                <a:cubicBezTo>
-                  <a:pt x="83" y="40"/>
-                  <a:pt x="83" y="40"/>
-                  <a:pt x="83" y="40"/>
-                </a:cubicBezTo>
-                <a:cubicBezTo>
-                  <a:pt x="83" y="40"/>
-                  <a:pt x="83" y="40"/>
-                  <a:pt x="83" y="40"/>
-                </a:cubicBezTo>
-                <a:cubicBezTo>
-                  <a:pt x="83" y="40"/>
-                  <a:pt x="82" y="40"/>
-                  <a:pt x="82" y="40"/>
-                </a:cubicBezTo>
-                <a:cubicBezTo>
-                  <a:pt x="82" y="40"/>
-                  <a:pt x="82" y="40"/>
-                  <a:pt x="82" y="40"/>
-                </a:cubicBezTo>
-                <a:cubicBezTo>
-                  <a:pt x="82" y="40"/>
-                  <a:pt x="82" y="40"/>
-                  <a:pt x="82" y="39"/>
-                </a:cubicBezTo>
-                <a:cubicBezTo>
-                  <a:pt x="42" y="0"/>
-                  <a:pt x="42" y="0"/>
-                  <a:pt x="42" y="0"/>
-                </a:cubicBezTo>
-                <a:cubicBezTo>
-                  <a:pt x="42" y="0"/>
-                  <a:pt x="42" y="0"/>
-                  <a:pt x="42" y="0"/>
-                </a:cubicBezTo>
-                <a:cubicBezTo>
-                  <a:pt x="42" y="0"/>
-                  <a:pt x="42" y="0"/>
-                  <a:pt x="42" y="0"/>
-                </a:cubicBezTo>
-                <a:cubicBezTo>
-                  <a:pt x="42" y="0"/>
-                  <a:pt x="42" y="0"/>
-                  <a:pt x="42" y="0"/>
-                </a:cubicBezTo>
-                <a:cubicBezTo>
-                  <a:pt x="41" y="0"/>
-                  <a:pt x="40" y="0"/>
-                  <a:pt x="40" y="0"/>
-                </a:cubicBezTo>
-                <a:cubicBezTo>
-                  <a:pt x="0" y="39"/>
-                  <a:pt x="0" y="39"/>
-                  <a:pt x="0" y="39"/>
-                </a:cubicBezTo>
-                <a:cubicBezTo>
-                  <a:pt x="0" y="39"/>
-                  <a:pt x="0" y="39"/>
-                  <a:pt x="0" y="40"/>
-                </a:cubicBezTo>
-                <a:cubicBezTo>
-                  <a:pt x="0" y="40"/>
-                  <a:pt x="0" y="40"/>
-                  <a:pt x="0" y="40"/>
-                </a:cubicBezTo>
-                <a:cubicBezTo>
-                  <a:pt x="40" y="81"/>
-                  <a:pt x="40" y="81"/>
-                  <a:pt x="40" y="81"/>
-                </a:cubicBezTo>
-                <a:cubicBezTo>
-                  <a:pt x="40" y="81"/>
-                  <a:pt x="41" y="81"/>
-                  <a:pt x="42" y="81"/>
-                </a:cubicBezTo>
-                <a:cubicBezTo>
-                  <a:pt x="42" y="80"/>
-                  <a:pt x="42" y="80"/>
-                  <a:pt x="42" y="80"/>
-                </a:cubicBezTo>
-                <a:cubicBezTo>
-                  <a:pt x="42" y="80"/>
-                  <a:pt x="42" y="80"/>
-                  <a:pt x="42" y="80"/>
-                </a:cubicBezTo>
-                <a:cubicBezTo>
-                  <a:pt x="42" y="80"/>
-                  <a:pt x="42" y="80"/>
-                  <a:pt x="42" y="80"/>
-                </a:cubicBezTo>
-                <a:cubicBezTo>
-                  <a:pt x="82" y="41"/>
-                  <a:pt x="82" y="41"/>
-                  <a:pt x="82" y="41"/>
-                </a:cubicBezTo>
-                <a:cubicBezTo>
-                  <a:pt x="82" y="41"/>
-                  <a:pt x="82" y="41"/>
-                  <a:pt x="82" y="41"/>
-                </a:cubicBezTo>
-                <a:cubicBezTo>
-                  <a:pt x="82" y="41"/>
-                  <a:pt x="82" y="41"/>
-                  <a:pt x="82" y="41"/>
-                </a:cubicBezTo>
-                <a:cubicBezTo>
-                  <a:pt x="82" y="41"/>
-                  <a:pt x="83" y="41"/>
-                  <a:pt x="83" y="41"/>
-                </a:cubicBezTo>
-                <a:cubicBezTo>
-                  <a:pt x="83" y="41"/>
-                  <a:pt x="83" y="41"/>
-                  <a:pt x="83" y="41"/>
-                </a:cubicBezTo>
-                <a:cubicBezTo>
-                  <a:pt x="83" y="41"/>
-                  <a:pt x="83" y="41"/>
-                  <a:pt x="83" y="41"/>
-                </a:cubicBezTo>
-                <a:cubicBezTo>
-                  <a:pt x="83" y="41"/>
-                  <a:pt x="83" y="41"/>
-                  <a:pt x="83" y="40"/>
-                </a:cubicBezTo>
-                <a:cubicBezTo>
-                  <a:pt x="83" y="40"/>
-                  <a:pt x="83" y="40"/>
-                  <a:pt x="83" y="40"/>
-                </a:cubicBezTo>
-                <a:cubicBezTo>
-                  <a:pt x="83" y="40"/>
-                  <a:pt x="83" y="40"/>
-                  <a:pt x="83" y="40"/>
-                </a:cubicBezTo>
-                <a:close/>
-                <a:moveTo>
-                  <a:pt x="40" y="40"/>
-                </a:moveTo>
-                <a:cubicBezTo>
-                  <a:pt x="40" y="78"/>
-                  <a:pt x="40" y="78"/>
-                  <a:pt x="40" y="78"/>
-                </a:cubicBezTo>
-                <a:cubicBezTo>
-                  <a:pt x="3" y="40"/>
-                  <a:pt x="3" y="40"/>
-                  <a:pt x="3" y="40"/>
-                </a:cubicBezTo>
-                <a:cubicBezTo>
-                  <a:pt x="40" y="3"/>
-                  <a:pt x="40" y="3"/>
-                  <a:pt x="40" y="3"/>
-                </a:cubicBezTo>
-                <a:lnTo>
-                  <a:pt x="40" y="40"/>
-                </a:lnTo>
-                <a:close/>
-                <a:moveTo>
-                  <a:pt x="42" y="77"/>
-                </a:moveTo>
-                <a:cubicBezTo>
-                  <a:pt x="42" y="41"/>
-                  <a:pt x="42" y="41"/>
-                  <a:pt x="42" y="41"/>
-                </a:cubicBezTo>
-                <a:cubicBezTo>
-                  <a:pt x="79" y="41"/>
-                  <a:pt x="79" y="41"/>
-                  <a:pt x="79" y="41"/>
-                </a:cubicBezTo>
-                <a:lnTo>
-                  <a:pt x="42" y="77"/>
-                </a:lnTo>
-                <a:close/>
-                <a:moveTo>
-                  <a:pt x="42" y="39"/>
-                </a:moveTo>
-                <a:cubicBezTo>
-                  <a:pt x="42" y="4"/>
-                  <a:pt x="42" y="4"/>
-                  <a:pt x="42" y="4"/>
-                </a:cubicBezTo>
-                <a:cubicBezTo>
-                  <a:pt x="79" y="39"/>
-                  <a:pt x="79" y="39"/>
-                  <a:pt x="79" y="39"/>
-                </a:cubicBezTo>
-                <a:lnTo>
-                  <a:pt x="42" y="39"/>
-                </a:lnTo>
-                <a:close/>
-              </a:path>
-            </a:pathLst>
-          </a:custGeom>
-          <a:solidFill>
-            <a:schemeClr val="accent4"/>
-          </a:solidFill>
-          <a:ln>
-            <a:noFill/>
-          </a:ln>
-        </p:spPr>
-        <p:txBody>
-          <a:bodyPr vert="horz" wrap="square" lIns="91440" tIns="45720" rIns="91440" bIns="45720" numCol="1" anchor="t" anchorCtr="0" compatLnSpc="1"/>
-          <a:lstStyle/>
-          <a:p>
-            <a:endParaRPr lang="zh-CN" altLang="en-US"/>
-          </a:p>
-        </p:txBody>
-      </p:sp>
       <p:grpSp>
         <p:nvGrpSpPr>
           <p:cNvPr id="73" name="组合 72"/>
@@ -17284,7 +16829,7 @@
         </p:nvGrpSpPr>
         <p:grpSpPr>
           <a:xfrm>
-            <a:off x="3272631" y="3194050"/>
+            <a:off x="5831046" y="4133850"/>
             <a:ext cx="423863" cy="427038"/>
             <a:chOff x="2543175" y="3325813"/>
             <a:chExt cx="423863" cy="427038"/>
@@ -19133,7 +18678,7 @@
         <p:spPr>
           <a:xfrm>
             <a:off x="1343472" y="2361562"/>
-            <a:ext cx="2774504" cy="337185"/>
+            <a:ext cx="2774504" cy="829945"/>
           </a:xfrm>
           <a:prstGeom prst="rect">
             <a:avLst/>
@@ -19159,7 +18704,7 @@
                 <a:latin typeface="宋体" panose="02010600030101010101" pitchFamily="2" charset="-122"/>
                 <a:ea typeface="宋体" panose="02010600030101010101" pitchFamily="2" charset="-122"/>
               </a:rPr>
-              <a:t>网易</a:t>
+              <a:t>网易云信视频点播技术，为产品提供点播用户动态的</a:t>
             </a:r>
             <a:r>
               <a:rPr lang="zh-CN" altLang="en-US" sz="1600" dirty="0">
@@ -19169,17 +18714,7 @@
                 <a:latin typeface="宋体" panose="02010600030101010101" pitchFamily="2" charset="-122"/>
                 <a:ea typeface="宋体" panose="02010600030101010101" pitchFamily="2" charset="-122"/>
               </a:rPr>
-              <a:t>云信视频点播</a:t>
-            </a:r>
-            <a:r>
-              <a:rPr lang="zh-CN" altLang="en-US" sz="1600" dirty="0">
-                <a:solidFill>
-                  <a:srgbClr val="000000"/>
-                </a:solidFill>
-                <a:latin typeface="宋体" panose="02010600030101010101" pitchFamily="2" charset="-122"/>
-                <a:ea typeface="宋体" panose="02010600030101010101" pitchFamily="2" charset="-122"/>
-              </a:rPr>
-              <a:t>技术</a:t>
+              <a:t>能力</a:t>
             </a:r>
             <a:endParaRPr lang="zh-CN" altLang="en-US" sz="1600" dirty="0">
               <a:solidFill>
@@ -19199,8 +18734,8 @@
         </p:nvSpPr>
         <p:spPr>
           <a:xfrm>
-            <a:off x="1451298" y="3652293"/>
-            <a:ext cx="2774504" cy="337185"/>
+            <a:off x="4612005" y="4622800"/>
+            <a:ext cx="3329305" cy="583565"/>
           </a:xfrm>
           <a:prstGeom prst="rect">
             <a:avLst/>
@@ -19227,7 +18762,7 @@
                 <a:ea typeface="宋体" panose="02010600030101010101" pitchFamily="2" charset="-122"/>
                 <a:sym typeface="+mn-ea"/>
               </a:rPr>
-              <a:t>网易云信</a:t>
+              <a:t>使用网易云信</a:t>
             </a:r>
             <a:r>
               <a:rPr lang="en-US" altLang="zh-CN" sz="1600" dirty="0">
@@ -19240,7 +18775,29 @@
               </a:rPr>
               <a:t>IM</a:t>
             </a:r>
-            <a:endParaRPr lang="en-US" altLang="zh-CN" sz="1600" dirty="0">
+            <a:r>
+              <a:rPr lang="zh-CN" altLang="en-US" sz="1600" dirty="0">
+                <a:solidFill>
+                  <a:srgbClr val="000000"/>
+                </a:solidFill>
+                <a:latin typeface="宋体" panose="02010600030101010101" pitchFamily="2" charset="-122"/>
+                <a:ea typeface="宋体" panose="02010600030101010101" pitchFamily="2" charset="-122"/>
+                <a:sym typeface="+mn-ea"/>
+              </a:rPr>
+              <a:t>的能力，为产品提供池塘聊天、一对一聊天的</a:t>
+            </a:r>
+            <a:r>
+              <a:rPr lang="zh-CN" altLang="en-US" sz="1600" dirty="0">
+                <a:solidFill>
+                  <a:srgbClr val="000000"/>
+                </a:solidFill>
+                <a:latin typeface="宋体" panose="02010600030101010101" pitchFamily="2" charset="-122"/>
+                <a:ea typeface="宋体" panose="02010600030101010101" pitchFamily="2" charset="-122"/>
+                <a:sym typeface="+mn-ea"/>
+              </a:rPr>
+              <a:t>能力</a:t>
+            </a:r>
+            <a:endParaRPr lang="zh-CN" altLang="en-US" sz="1600" dirty="0">
               <a:solidFill>
                 <a:srgbClr val="000000"/>
               </a:solidFill>
@@ -19260,7 +18817,7 @@
         <p:spPr>
           <a:xfrm>
             <a:off x="7902699" y="2132587"/>
-            <a:ext cx="2774504" cy="337185"/>
+            <a:ext cx="2774504" cy="829945"/>
           </a:xfrm>
           <a:prstGeom prst="rect">
             <a:avLst/>
@@ -19287,7 +18844,7 @@
                 <a:ea typeface="宋体" panose="02010600030101010101" pitchFamily="2" charset="-122"/>
                 <a:sym typeface="+mn-ea"/>
               </a:rPr>
-              <a:t>网易云信视频</a:t>
+              <a:t>网易云信视频直播技术，为小流量主发起直播互动提供</a:t>
             </a:r>
             <a:r>
               <a:rPr lang="zh-CN" altLang="en-US" sz="1600" dirty="0">
@@ -19298,7 +18855,7 @@
                 <a:ea typeface="宋体" panose="02010600030101010101" pitchFamily="2" charset="-122"/>
                 <a:sym typeface="+mn-ea"/>
               </a:rPr>
-              <a:t>直播技术</a:t>
+              <a:t>能力</a:t>
             </a:r>
             <a:endParaRPr lang="zh-CN" altLang="en-US" sz="1600" dirty="0">
               <a:solidFill>
@@ -19306,6 +18863,7 @@
               </a:solidFill>
               <a:latin typeface="宋体" panose="02010600030101010101" pitchFamily="2" charset="-122"/>
               <a:ea typeface="宋体" panose="02010600030101010101" pitchFamily="2" charset="-122"/>
+              <a:sym typeface="+mn-ea"/>
             </a:endParaRPr>
           </a:p>
         </p:txBody>
@@ -25689,7 +25247,7 @@
       </p:sp>
       <p:pic>
         <p:nvPicPr>
-          <p:cNvPr id="2" name="图片 1"/>
+          <p:cNvPr id="3" name="图片 2"/>
           <p:cNvPicPr>
             <a:picLocks noChangeAspect="1"/>
           </p:cNvPicPr>
@@ -25703,8 +25261,8 @@
         </p:blipFill>
         <p:spPr>
           <a:xfrm>
-            <a:off x="6520815" y="0"/>
-            <a:ext cx="3756660" cy="6339840"/>
+            <a:off x="6871970" y="139065"/>
+            <a:ext cx="3680460" cy="6370320"/>
           </a:xfrm>
           <a:prstGeom prst="rect">
             <a:avLst/>
@@ -26183,9 +25741,9 @@
         <p:grpSpPr>
           <a:xfrm>
             <a:off x="81392" y="63656"/>
-            <a:ext cx="676341" cy="707886"/>
+            <a:ext cx="676341" cy="706755"/>
             <a:chOff x="5522594" y="933126"/>
-            <a:chExt cx="1095375" cy="1146464"/>
+            <a:chExt cx="1095375" cy="1144632"/>
           </a:xfrm>
         </p:grpSpPr>
         <p:sp>
@@ -26245,7 +25803,7 @@
           <p:spPr>
             <a:xfrm>
               <a:off x="5693822" y="933126"/>
-              <a:ext cx="794757" cy="1146464"/>
+              <a:ext cx="794757" cy="1144632"/>
             </a:xfrm>
             <a:prstGeom prst="rect">
               <a:avLst/>
@@ -26266,9 +25824,9 @@
                   <a:latin typeface="微软雅黑" panose="020B0503020204020204" pitchFamily="34" charset="-122"/>
                   <a:ea typeface="微软雅黑" panose="020B0503020204020204" pitchFamily="34" charset="-122"/>
                 </a:rPr>
-                <a:t>1</a:t>
+                <a:t>2</a:t>
               </a:r>
-              <a:endParaRPr lang="zh-CN" altLang="en-US" sz="4000" dirty="0">
+              <a:endParaRPr lang="en-US" altLang="zh-CN" sz="4000" dirty="0">
                 <a:solidFill>
                   <a:schemeClr val="bg1"/>
                 </a:solidFill>
@@ -27045,9 +26603,9 @@
         <p:grpSpPr>
           <a:xfrm>
             <a:off x="81392" y="63656"/>
-            <a:ext cx="676341" cy="707886"/>
+            <a:ext cx="676341" cy="706755"/>
             <a:chOff x="5522594" y="933126"/>
-            <a:chExt cx="1095375" cy="1146464"/>
+            <a:chExt cx="1095375" cy="1144632"/>
           </a:xfrm>
         </p:grpSpPr>
         <p:sp>
@@ -27107,7 +26665,7 @@
           <p:spPr>
             <a:xfrm>
               <a:off x="5693822" y="933126"/>
-              <a:ext cx="794757" cy="1146464"/>
+              <a:ext cx="794757" cy="1144632"/>
             </a:xfrm>
             <a:prstGeom prst="rect">
               <a:avLst/>
@@ -27128,9 +26686,9 @@
                   <a:latin typeface="微软雅黑" panose="020B0503020204020204" pitchFamily="34" charset="-122"/>
                   <a:ea typeface="微软雅黑" panose="020B0503020204020204" pitchFamily="34" charset="-122"/>
                 </a:rPr>
-                <a:t>1</a:t>
+                <a:t>3</a:t>
               </a:r>
-              <a:endParaRPr lang="zh-CN" altLang="en-US" sz="4000" dirty="0">
+              <a:endParaRPr lang="en-US" altLang="zh-CN" sz="4000" dirty="0">
                 <a:solidFill>
                   <a:schemeClr val="bg1"/>
                 </a:solidFill>
@@ -27392,7 +26950,7 @@
       </p:sp>
       <p:pic>
         <p:nvPicPr>
-          <p:cNvPr id="15" name="图片 14"/>
+          <p:cNvPr id="2" name="图片 1"/>
           <p:cNvPicPr>
             <a:picLocks noChangeAspect="1"/>
           </p:cNvPicPr>
@@ -27406,8 +26964,8 @@
         </p:blipFill>
         <p:spPr>
           <a:xfrm>
-            <a:off x="4904740" y="139065"/>
-            <a:ext cx="3497580" cy="6141720"/>
+            <a:off x="4873625" y="168275"/>
+            <a:ext cx="3596640" cy="6248400"/>
           </a:xfrm>
           <a:prstGeom prst="rect">
             <a:avLst/>
@@ -27416,7 +26974,7 @@
       </p:pic>
       <p:pic>
         <p:nvPicPr>
-          <p:cNvPr id="16" name="图片 15"/>
+          <p:cNvPr id="14" name="图片 13"/>
           <p:cNvPicPr>
             <a:picLocks noChangeAspect="1"/>
           </p:cNvPicPr>
@@ -27430,8 +26988,8 @@
         </p:blipFill>
         <p:spPr>
           <a:xfrm>
-            <a:off x="8470265" y="168275"/>
-            <a:ext cx="3528060" cy="6164580"/>
+            <a:off x="8510905" y="168275"/>
+            <a:ext cx="3627120" cy="6286500"/>
           </a:xfrm>
           <a:prstGeom prst="rect">
             <a:avLst/>
@@ -27910,9 +27468,9 @@
         <p:grpSpPr>
           <a:xfrm>
             <a:off x="81392" y="63656"/>
-            <a:ext cx="676341" cy="707886"/>
+            <a:ext cx="676341" cy="706755"/>
             <a:chOff x="5522594" y="933126"/>
-            <a:chExt cx="1095375" cy="1146464"/>
+            <a:chExt cx="1095375" cy="1144632"/>
           </a:xfrm>
         </p:grpSpPr>
         <p:sp>
@@ -27972,7 +27530,7 @@
           <p:spPr>
             <a:xfrm>
               <a:off x="5693822" y="933126"/>
-              <a:ext cx="794757" cy="1146464"/>
+              <a:ext cx="794757" cy="1144632"/>
             </a:xfrm>
             <a:prstGeom prst="rect">
               <a:avLst/>
@@ -27993,9 +27551,9 @@
                   <a:latin typeface="微软雅黑" panose="020B0503020204020204" pitchFamily="34" charset="-122"/>
                   <a:ea typeface="微软雅黑" panose="020B0503020204020204" pitchFamily="34" charset="-122"/>
                 </a:rPr>
-                <a:t>1</a:t>
+                <a:t>4</a:t>
               </a:r>
-              <a:endParaRPr lang="zh-CN" altLang="en-US" sz="4000" dirty="0">
+              <a:endParaRPr lang="en-US" altLang="zh-CN" sz="4000" dirty="0">
                 <a:solidFill>
                   <a:schemeClr val="bg1"/>
                 </a:solidFill>
@@ -28194,7 +27752,7 @@
         <p:spPr>
           <a:xfrm>
             <a:off x="556260" y="1987550"/>
-            <a:ext cx="4069080" cy="368300"/>
+            <a:ext cx="4666615" cy="368300"/>
           </a:xfrm>
           <a:prstGeom prst="rect">
             <a:avLst/>
@@ -28207,54 +27765,14 @@
           </a:bodyPr>
           <a:p>
             <a:r>
-              <a:rPr lang="zh-CN"/>
-              <a:t>查看</a:t>
-            </a:r>
-            <a:r>
-              <a:rPr lang="en-US" altLang="zh-CN"/>
-              <a:t>“</a:t>
+              <a:rPr lang="zh-CN" altLang="en-US"/>
+              <a:t>创建自己专属的池塘，拉小伙伴入塘</a:t>
             </a:r>
             <a:r>
               <a:rPr lang="zh-CN" altLang="en-US"/>
-              <a:t>赞和收藏</a:t>
+              <a:t>聊天</a:t>
             </a:r>
-            <a:r>
-              <a:rPr lang="en-US" altLang="zh-CN"/>
-              <a:t>”</a:t>
-            </a:r>
-            <a:r>
-              <a:rPr lang="zh-CN" altLang="en-US"/>
-              <a:t>、</a:t>
-            </a:r>
-            <a:r>
-              <a:rPr lang="en-US" altLang="zh-CN"/>
-              <a:t>“</a:t>
-            </a:r>
-            <a:r>
-              <a:rPr lang="zh-CN" altLang="en-US"/>
-              <a:t>新增关注</a:t>
-            </a:r>
-            <a:r>
-              <a:rPr lang="en-US" altLang="zh-CN"/>
-              <a:t>”</a:t>
-            </a:r>
-            <a:r>
-              <a:rPr lang="zh-CN" altLang="en-US"/>
-              <a:t>、</a:t>
-            </a:r>
-            <a:r>
-              <a:rPr lang="en-US" altLang="zh-CN"/>
-              <a:t>“</a:t>
-            </a:r>
-            <a:r>
-              <a:rPr lang="zh-CN" altLang="en-US"/>
-              <a:t>评论</a:t>
-            </a:r>
-            <a:r>
-              <a:rPr lang="en-US" altLang="zh-CN"/>
-              <a:t>”</a:t>
-            </a:r>
-            <a:endParaRPr lang="en-US" altLang="zh-CN"/>
+            <a:endParaRPr lang="zh-CN" altLang="en-US"/>
           </a:p>
         </p:txBody>
       </p:sp>
@@ -28266,7 +27784,7 @@
         </p:nvSpPr>
         <p:spPr>
           <a:xfrm>
-            <a:off x="616585" y="1316355"/>
+            <a:off x="556260" y="1265555"/>
             <a:ext cx="4069080" cy="460375"/>
           </a:xfrm>
           <a:prstGeom prst="rect">
@@ -28286,11 +27804,11 @@
             </a:pPr>
             <a:r>
               <a:rPr lang="zh-CN" altLang="en-US" sz="2400" b="1"/>
-              <a:t>查看</a:t>
+              <a:t>创建</a:t>
             </a:r>
             <a:r>
               <a:rPr lang="zh-CN" altLang="en-US" sz="2400" b="1"/>
-              <a:t>消息通知</a:t>
+              <a:t>池塘</a:t>
             </a:r>
             <a:endParaRPr lang="zh-CN" altLang="en-US" sz="2400" b="1"/>
           </a:p>
@@ -28298,7 +27816,7 @@
       </p:sp>
       <p:pic>
         <p:nvPicPr>
-          <p:cNvPr id="2" name="图片 1"/>
+          <p:cNvPr id="14" name="图片 13"/>
           <p:cNvPicPr>
             <a:picLocks noChangeAspect="1"/>
           </p:cNvPicPr>
@@ -28312,8 +27830,8 @@
         </p:blipFill>
         <p:spPr>
           <a:xfrm>
-            <a:off x="5992495" y="168275"/>
-            <a:ext cx="3695700" cy="6225540"/>
+            <a:off x="5982335" y="0"/>
+            <a:ext cx="3573780" cy="6339840"/>
           </a:xfrm>
           <a:prstGeom prst="rect">
             <a:avLst/>
